--- a/Project.pptx
+++ b/Project.pptx
@@ -34,7 +34,14 @@
     <p:sldId id="296" r:id="rId28"/>
     <p:sldId id="297" r:id="rId29"/>
     <p:sldId id="298" r:id="rId30"/>
-    <p:sldId id="269" r:id="rId31"/>
+    <p:sldId id="299" r:id="rId31"/>
+    <p:sldId id="301" r:id="rId32"/>
+    <p:sldId id="302" r:id="rId33"/>
+    <p:sldId id="303" r:id="rId34"/>
+    <p:sldId id="304" r:id="rId35"/>
+    <p:sldId id="305" r:id="rId36"/>
+    <p:sldId id="306" r:id="rId37"/>
+    <p:sldId id="269" r:id="rId38"/>
   </p:sldIdLst>
   <p:sldSz cx="12192000" cy="6858000"/>
   <p:notesSz cx="6858000" cy="9144000"/>
@@ -292,7 +299,7 @@
           <a:p>
             <a:fld id="{A35720C4-D82B-4E97-B2FD-C28DE60742D3}" type="datetimeFigureOut">
               <a:rPr lang="en-US" smtClean="0"/>
-              <a:t>11/11/2022</a:t>
+              <a:t>11/13/2022</a:t>
             </a:fld>
             <a:endParaRPr lang="en-US"/>
           </a:p>
@@ -503,7 +510,7 @@
           <a:p>
             <a:fld id="{A35720C4-D82B-4E97-B2FD-C28DE60742D3}" type="datetimeFigureOut">
               <a:rPr lang="en-US" smtClean="0"/>
-              <a:t>11/11/2022</a:t>
+              <a:t>11/13/2022</a:t>
             </a:fld>
             <a:endParaRPr lang="en-US"/>
           </a:p>
@@ -718,7 +725,7 @@
           <a:p>
             <a:fld id="{A35720C4-D82B-4E97-B2FD-C28DE60742D3}" type="datetimeFigureOut">
               <a:rPr lang="en-US" smtClean="0"/>
-              <a:t>11/11/2022</a:t>
+              <a:t>11/13/2022</a:t>
             </a:fld>
             <a:endParaRPr lang="en-US"/>
           </a:p>
@@ -919,7 +926,7 @@
           <a:p>
             <a:fld id="{A35720C4-D82B-4E97-B2FD-C28DE60742D3}" type="datetimeFigureOut">
               <a:rPr lang="en-US" smtClean="0"/>
-              <a:t>11/11/2022</a:t>
+              <a:t>11/13/2022</a:t>
             </a:fld>
             <a:endParaRPr lang="en-US"/>
           </a:p>
@@ -1198,7 +1205,7 @@
           <a:p>
             <a:fld id="{A35720C4-D82B-4E97-B2FD-C28DE60742D3}" type="datetimeFigureOut">
               <a:rPr lang="en-US" smtClean="0"/>
-              <a:t>11/11/2022</a:t>
+              <a:t>11/13/2022</a:t>
             </a:fld>
             <a:endParaRPr lang="en-US"/>
           </a:p>
@@ -1466,7 +1473,7 @@
           <a:p>
             <a:fld id="{A35720C4-D82B-4E97-B2FD-C28DE60742D3}" type="datetimeFigureOut">
               <a:rPr lang="en-US" smtClean="0"/>
-              <a:t>11/11/2022</a:t>
+              <a:t>11/13/2022</a:t>
             </a:fld>
             <a:endParaRPr lang="en-US"/>
           </a:p>
@@ -1882,7 +1889,7 @@
           <a:p>
             <a:fld id="{A35720C4-D82B-4E97-B2FD-C28DE60742D3}" type="datetimeFigureOut">
               <a:rPr lang="en-US" smtClean="0"/>
-              <a:t>11/11/2022</a:t>
+              <a:t>11/13/2022</a:t>
             </a:fld>
             <a:endParaRPr lang="en-US"/>
           </a:p>
@@ -2031,7 +2038,7 @@
           <a:p>
             <a:fld id="{A35720C4-D82B-4E97-B2FD-C28DE60742D3}" type="datetimeFigureOut">
               <a:rPr lang="en-US" smtClean="0"/>
-              <a:t>11/11/2022</a:t>
+              <a:t>11/13/2022</a:t>
             </a:fld>
             <a:endParaRPr lang="en-US"/>
           </a:p>
@@ -2157,7 +2164,7 @@
           <a:p>
             <a:fld id="{A35720C4-D82B-4E97-B2FD-C28DE60742D3}" type="datetimeFigureOut">
               <a:rPr lang="en-US" smtClean="0"/>
-              <a:t>11/11/2022</a:t>
+              <a:t>11/13/2022</a:t>
             </a:fld>
             <a:endParaRPr lang="en-US"/>
           </a:p>
@@ -2408,7 +2415,7 @@
           <a:p>
             <a:fld id="{A35720C4-D82B-4E97-B2FD-C28DE60742D3}" type="datetimeFigureOut">
               <a:rPr lang="en-US" smtClean="0"/>
-              <a:t>11/11/2022</a:t>
+              <a:t>11/13/2022</a:t>
             </a:fld>
             <a:endParaRPr lang="en-US"/>
           </a:p>
@@ -2853,7 +2860,7 @@
           <a:p>
             <a:fld id="{A35720C4-D82B-4E97-B2FD-C28DE60742D3}" type="datetimeFigureOut">
               <a:rPr lang="en-US" smtClean="0"/>
-              <a:t>11/11/2022</a:t>
+              <a:t>11/13/2022</a:t>
             </a:fld>
             <a:endParaRPr lang="en-US"/>
           </a:p>
@@ -3180,7 +3187,7 @@
           <a:p>
             <a:fld id="{A35720C4-D82B-4E97-B2FD-C28DE60742D3}" type="datetimeFigureOut">
               <a:rPr lang="en-US" smtClean="0"/>
-              <a:t>11/11/2022</a:t>
+              <a:t>11/13/2022</a:t>
             </a:fld>
             <a:endParaRPr lang="en-US"/>
           </a:p>
@@ -15302,31 +15309,6 @@
           </a:p>
         </p:txBody>
       </p:sp>
-      <p:sp>
-        <p:nvSpPr>
-          <p:cNvPr id="3" name="Subtitle 2">
-            <a:extLst>
-              <a:ext uri="{FF2B5EF4-FFF2-40B4-BE49-F238E27FC236}">
-                <a16:creationId xmlns:a16="http://schemas.microsoft.com/office/drawing/2014/main" id="{B4011C17-170B-AF89-0F81-D66C7023213A}"/>
-              </a:ext>
-            </a:extLst>
-          </p:cNvPr>
-          <p:cNvSpPr>
-            <a:spLocks noGrp="1"/>
-          </p:cNvSpPr>
-          <p:nvPr>
-            <p:ph type="subTitle" idx="1"/>
-          </p:nvPr>
-        </p:nvSpPr>
-        <p:spPr/>
-        <p:txBody>
-          <a:bodyPr/>
-          <a:lstStyle/>
-          <a:p>
-            <a:endParaRPr lang="en-CA"/>
-          </a:p>
-        </p:txBody>
-      </p:sp>
     </p:spTree>
     <p:extLst>
       <p:ext uri="{BB962C8B-B14F-4D97-AF65-F5344CB8AC3E}">
@@ -15660,10 +15642,404 @@
       </p:grpSpPr>
       <p:sp>
         <p:nvSpPr>
-          <p:cNvPr id="2" name="TextBox 1">
+          <p:cNvPr id="2" name="Title 1">
             <a:extLst>
               <a:ext uri="{FF2B5EF4-FFF2-40B4-BE49-F238E27FC236}">
-                <a16:creationId xmlns:a16="http://schemas.microsoft.com/office/drawing/2014/main" id="{4636A726-9C3B-58D1-E6D1-F992130C7644}"/>
+                <a16:creationId xmlns:a16="http://schemas.microsoft.com/office/drawing/2014/main" id="{3CE23049-2858-41BB-EDBC-FDFEB2C51FB1}"/>
+              </a:ext>
+            </a:extLst>
+          </p:cNvPr>
+          <p:cNvSpPr>
+            <a:spLocks noGrp="1"/>
+          </p:cNvSpPr>
+          <p:nvPr>
+            <p:ph type="ctrTitle"/>
+          </p:nvPr>
+        </p:nvSpPr>
+        <p:spPr/>
+        <p:txBody>
+          <a:bodyPr>
+            <a:normAutofit/>
+          </a:bodyPr>
+          <a:lstStyle/>
+          <a:p>
+            <a:r>
+              <a:rPr lang="en-CA" sz="5400" dirty="0"/>
+              <a:t>Jira work Management</a:t>
+            </a:r>
+          </a:p>
+        </p:txBody>
+      </p:sp>
+    </p:spTree>
+    <p:extLst>
+      <p:ext uri="{BB962C8B-B14F-4D97-AF65-F5344CB8AC3E}">
+        <p14:creationId xmlns:p14="http://schemas.microsoft.com/office/powerpoint/2010/main" val="1971913938"/>
+      </p:ext>
+    </p:extLst>
+  </p:cSld>
+  <p:clrMapOvr>
+    <a:masterClrMapping/>
+  </p:clrMapOvr>
+</p:sld>
+</file>
+
+<file path=ppt/slides/slide31.xml><?xml version="1.0" encoding="utf-8"?>
+<p:sld xmlns:a="http://schemas.openxmlformats.org/drawingml/2006/main" xmlns:r="http://schemas.openxmlformats.org/officeDocument/2006/relationships" xmlns:p="http://schemas.openxmlformats.org/presentationml/2006/main">
+  <p:cSld>
+    <p:spTree>
+      <p:nvGrpSpPr>
+        <p:cNvPr id="1" name=""/>
+        <p:cNvGrpSpPr/>
+        <p:nvPr/>
+      </p:nvGrpSpPr>
+      <p:grpSpPr>
+        <a:xfrm>
+          <a:off x="0" y="0"/>
+          <a:ext cx="0" cy="0"/>
+          <a:chOff x="0" y="0"/>
+          <a:chExt cx="0" cy="0"/>
+        </a:xfrm>
+      </p:grpSpPr>
+      <p:pic>
+        <p:nvPicPr>
+          <p:cNvPr id="3" name="Picture 2">
+            <a:extLst>
+              <a:ext uri="{FF2B5EF4-FFF2-40B4-BE49-F238E27FC236}">
+                <a16:creationId xmlns:a16="http://schemas.microsoft.com/office/drawing/2014/main" id="{66644524-B439-E2B0-0135-5F80A0E2C64A}"/>
+              </a:ext>
+            </a:extLst>
+          </p:cNvPr>
+          <p:cNvPicPr>
+            <a:picLocks noChangeAspect="1"/>
+          </p:cNvPicPr>
+          <p:nvPr/>
+        </p:nvPicPr>
+        <p:blipFill>
+          <a:blip r:embed="rId2"/>
+          <a:stretch>
+            <a:fillRect/>
+          </a:stretch>
+        </p:blipFill>
+        <p:spPr>
+          <a:xfrm>
+            <a:off x="960796" y="1081963"/>
+            <a:ext cx="10270408" cy="5038919"/>
+          </a:xfrm>
+          <a:prstGeom prst="rect">
+            <a:avLst/>
+          </a:prstGeom>
+        </p:spPr>
+      </p:pic>
+    </p:spTree>
+    <p:extLst>
+      <p:ext uri="{BB962C8B-B14F-4D97-AF65-F5344CB8AC3E}">
+        <p14:creationId xmlns:p14="http://schemas.microsoft.com/office/powerpoint/2010/main" val="3560897419"/>
+      </p:ext>
+    </p:extLst>
+  </p:cSld>
+  <p:clrMapOvr>
+    <a:masterClrMapping/>
+  </p:clrMapOvr>
+</p:sld>
+</file>
+
+<file path=ppt/slides/slide32.xml><?xml version="1.0" encoding="utf-8"?>
+<p:sld xmlns:a="http://schemas.openxmlformats.org/drawingml/2006/main" xmlns:r="http://schemas.openxmlformats.org/officeDocument/2006/relationships" xmlns:p="http://schemas.openxmlformats.org/presentationml/2006/main">
+  <p:cSld>
+    <p:spTree>
+      <p:nvGrpSpPr>
+        <p:cNvPr id="1" name=""/>
+        <p:cNvGrpSpPr/>
+        <p:nvPr/>
+      </p:nvGrpSpPr>
+      <p:grpSpPr>
+        <a:xfrm>
+          <a:off x="0" y="0"/>
+          <a:ext cx="0" cy="0"/>
+          <a:chOff x="0" y="0"/>
+          <a:chExt cx="0" cy="0"/>
+        </a:xfrm>
+      </p:grpSpPr>
+      <p:pic>
+        <p:nvPicPr>
+          <p:cNvPr id="4" name="Picture 3">
+            <a:extLst>
+              <a:ext uri="{FF2B5EF4-FFF2-40B4-BE49-F238E27FC236}">
+                <a16:creationId xmlns:a16="http://schemas.microsoft.com/office/drawing/2014/main" id="{E233912A-787E-0DAF-1970-32D7E4A467E5}"/>
+              </a:ext>
+            </a:extLst>
+          </p:cNvPr>
+          <p:cNvPicPr>
+            <a:picLocks noChangeAspect="1"/>
+          </p:cNvPicPr>
+          <p:nvPr/>
+        </p:nvPicPr>
+        <p:blipFill>
+          <a:blip r:embed="rId2"/>
+          <a:stretch>
+            <a:fillRect/>
+          </a:stretch>
+        </p:blipFill>
+        <p:spPr>
+          <a:xfrm>
+            <a:off x="1026616" y="1147666"/>
+            <a:ext cx="10138767" cy="4945224"/>
+          </a:xfrm>
+          <a:prstGeom prst="rect">
+            <a:avLst/>
+          </a:prstGeom>
+        </p:spPr>
+      </p:pic>
+    </p:spTree>
+    <p:extLst>
+      <p:ext uri="{BB962C8B-B14F-4D97-AF65-F5344CB8AC3E}">
+        <p14:creationId xmlns:p14="http://schemas.microsoft.com/office/powerpoint/2010/main" val="3922687595"/>
+      </p:ext>
+    </p:extLst>
+  </p:cSld>
+  <p:clrMapOvr>
+    <a:masterClrMapping/>
+  </p:clrMapOvr>
+</p:sld>
+</file>
+
+<file path=ppt/slides/slide33.xml><?xml version="1.0" encoding="utf-8"?>
+<p:sld xmlns:a="http://schemas.openxmlformats.org/drawingml/2006/main" xmlns:r="http://schemas.openxmlformats.org/officeDocument/2006/relationships" xmlns:p="http://schemas.openxmlformats.org/presentationml/2006/main">
+  <p:cSld>
+    <p:spTree>
+      <p:nvGrpSpPr>
+        <p:cNvPr id="1" name=""/>
+        <p:cNvGrpSpPr/>
+        <p:nvPr/>
+      </p:nvGrpSpPr>
+      <p:grpSpPr>
+        <a:xfrm>
+          <a:off x="0" y="0"/>
+          <a:ext cx="0" cy="0"/>
+          <a:chOff x="0" y="0"/>
+          <a:chExt cx="0" cy="0"/>
+        </a:xfrm>
+      </p:grpSpPr>
+      <p:pic>
+        <p:nvPicPr>
+          <p:cNvPr id="4" name="Picture 3">
+            <a:extLst>
+              <a:ext uri="{FF2B5EF4-FFF2-40B4-BE49-F238E27FC236}">
+                <a16:creationId xmlns:a16="http://schemas.microsoft.com/office/drawing/2014/main" id="{74905DBC-A3FD-F150-8777-E6285AE238FE}"/>
+              </a:ext>
+            </a:extLst>
+          </p:cNvPr>
+          <p:cNvPicPr>
+            <a:picLocks noChangeAspect="1"/>
+          </p:cNvPicPr>
+          <p:nvPr/>
+        </p:nvPicPr>
+        <p:blipFill>
+          <a:blip r:embed="rId2"/>
+          <a:stretch>
+            <a:fillRect/>
+          </a:stretch>
+        </p:blipFill>
+        <p:spPr>
+          <a:xfrm>
+            <a:off x="935874" y="1040891"/>
+            <a:ext cx="10320251" cy="5057998"/>
+          </a:xfrm>
+          <a:prstGeom prst="rect">
+            <a:avLst/>
+          </a:prstGeom>
+        </p:spPr>
+      </p:pic>
+    </p:spTree>
+    <p:extLst>
+      <p:ext uri="{BB962C8B-B14F-4D97-AF65-F5344CB8AC3E}">
+        <p14:creationId xmlns:p14="http://schemas.microsoft.com/office/powerpoint/2010/main" val="3541067342"/>
+      </p:ext>
+    </p:extLst>
+  </p:cSld>
+  <p:clrMapOvr>
+    <a:masterClrMapping/>
+  </p:clrMapOvr>
+</p:sld>
+</file>
+
+<file path=ppt/slides/slide34.xml><?xml version="1.0" encoding="utf-8"?>
+<p:sld xmlns:a="http://schemas.openxmlformats.org/drawingml/2006/main" xmlns:r="http://schemas.openxmlformats.org/officeDocument/2006/relationships" xmlns:p="http://schemas.openxmlformats.org/presentationml/2006/main">
+  <p:cSld>
+    <p:spTree>
+      <p:nvGrpSpPr>
+        <p:cNvPr id="1" name=""/>
+        <p:cNvGrpSpPr/>
+        <p:nvPr/>
+      </p:nvGrpSpPr>
+      <p:grpSpPr>
+        <a:xfrm>
+          <a:off x="0" y="0"/>
+          <a:ext cx="0" cy="0"/>
+          <a:chOff x="0" y="0"/>
+          <a:chExt cx="0" cy="0"/>
+        </a:xfrm>
+      </p:grpSpPr>
+      <p:pic>
+        <p:nvPicPr>
+          <p:cNvPr id="3" name="Picture 2">
+            <a:extLst>
+              <a:ext uri="{FF2B5EF4-FFF2-40B4-BE49-F238E27FC236}">
+                <a16:creationId xmlns:a16="http://schemas.microsoft.com/office/drawing/2014/main" id="{E052C519-C03F-365F-321B-C8AFB2E13FC6}"/>
+              </a:ext>
+            </a:extLst>
+          </p:cNvPr>
+          <p:cNvPicPr>
+            <a:picLocks noChangeAspect="1"/>
+          </p:cNvPicPr>
+          <p:nvPr/>
+        </p:nvPicPr>
+        <p:blipFill>
+          <a:blip r:embed="rId2"/>
+          <a:stretch>
+            <a:fillRect/>
+          </a:stretch>
+        </p:blipFill>
+        <p:spPr>
+          <a:xfrm>
+            <a:off x="917510" y="1016777"/>
+            <a:ext cx="10356980" cy="5092182"/>
+          </a:xfrm>
+          <a:prstGeom prst="rect">
+            <a:avLst/>
+          </a:prstGeom>
+        </p:spPr>
+      </p:pic>
+    </p:spTree>
+    <p:extLst>
+      <p:ext uri="{BB962C8B-B14F-4D97-AF65-F5344CB8AC3E}">
+        <p14:creationId xmlns:p14="http://schemas.microsoft.com/office/powerpoint/2010/main" val="2596211360"/>
+      </p:ext>
+    </p:extLst>
+  </p:cSld>
+  <p:clrMapOvr>
+    <a:masterClrMapping/>
+  </p:clrMapOvr>
+</p:sld>
+</file>
+
+<file path=ppt/slides/slide35.xml><?xml version="1.0" encoding="utf-8"?>
+<p:sld xmlns:a="http://schemas.openxmlformats.org/drawingml/2006/main" xmlns:r="http://schemas.openxmlformats.org/officeDocument/2006/relationships" xmlns:p="http://schemas.openxmlformats.org/presentationml/2006/main">
+  <p:cSld>
+    <p:spTree>
+      <p:nvGrpSpPr>
+        <p:cNvPr id="1" name=""/>
+        <p:cNvGrpSpPr/>
+        <p:nvPr/>
+      </p:nvGrpSpPr>
+      <p:grpSpPr>
+        <a:xfrm>
+          <a:off x="0" y="0"/>
+          <a:ext cx="0" cy="0"/>
+          <a:chOff x="0" y="0"/>
+          <a:chExt cx="0" cy="0"/>
+        </a:xfrm>
+      </p:grpSpPr>
+      <p:sp>
+        <p:nvSpPr>
+          <p:cNvPr id="2" name="Title 1">
+            <a:extLst>
+              <a:ext uri="{FF2B5EF4-FFF2-40B4-BE49-F238E27FC236}">
+                <a16:creationId xmlns:a16="http://schemas.microsoft.com/office/drawing/2014/main" id="{3CE23049-2858-41BB-EDBC-FDFEB2C51FB1}"/>
+              </a:ext>
+            </a:extLst>
+          </p:cNvPr>
+          <p:cNvSpPr>
+            <a:spLocks noGrp="1"/>
+          </p:cNvSpPr>
+          <p:nvPr>
+            <p:ph type="ctrTitle"/>
+          </p:nvPr>
+        </p:nvSpPr>
+        <p:spPr/>
+        <p:txBody>
+          <a:bodyPr>
+            <a:normAutofit/>
+          </a:bodyPr>
+          <a:lstStyle/>
+          <a:p>
+            <a:r>
+              <a:rPr lang="en-CA" sz="5400" dirty="0" err="1"/>
+              <a:t>Github</a:t>
+            </a:r>
+            <a:r>
+              <a:rPr lang="en-CA" sz="5400" dirty="0"/>
+              <a:t> work</a:t>
+            </a:r>
+          </a:p>
+        </p:txBody>
+      </p:sp>
+    </p:spTree>
+    <p:extLst>
+      <p:ext uri="{BB962C8B-B14F-4D97-AF65-F5344CB8AC3E}">
+        <p14:creationId xmlns:p14="http://schemas.microsoft.com/office/powerpoint/2010/main" val="790580085"/>
+      </p:ext>
+    </p:extLst>
+  </p:cSld>
+  <p:clrMapOvr>
+    <a:masterClrMapping/>
+  </p:clrMapOvr>
+</p:sld>
+</file>
+
+<file path=ppt/slides/slide36.xml><?xml version="1.0" encoding="utf-8"?>
+<p:sld xmlns:a="http://schemas.openxmlformats.org/drawingml/2006/main" xmlns:r="http://schemas.openxmlformats.org/officeDocument/2006/relationships" xmlns:p="http://schemas.openxmlformats.org/presentationml/2006/main">
+  <p:cSld>
+    <p:spTree>
+      <p:nvGrpSpPr>
+        <p:cNvPr id="1" name=""/>
+        <p:cNvGrpSpPr/>
+        <p:nvPr/>
+      </p:nvGrpSpPr>
+      <p:grpSpPr>
+        <a:xfrm>
+          <a:off x="0" y="0"/>
+          <a:ext cx="0" cy="0"/>
+          <a:chOff x="0" y="0"/>
+          <a:chExt cx="0" cy="0"/>
+        </a:xfrm>
+      </p:grpSpPr>
+      <p:pic>
+        <p:nvPicPr>
+          <p:cNvPr id="3" name="Picture 2">
+            <a:extLst>
+              <a:ext uri="{FF2B5EF4-FFF2-40B4-BE49-F238E27FC236}">
+                <a16:creationId xmlns:a16="http://schemas.microsoft.com/office/drawing/2014/main" id="{3B1A9FF6-6273-12AA-61FF-CE13C9D86B35}"/>
+              </a:ext>
+            </a:extLst>
+          </p:cNvPr>
+          <p:cNvPicPr>
+            <a:picLocks noChangeAspect="1"/>
+          </p:cNvPicPr>
+          <p:nvPr/>
+        </p:nvPicPr>
+        <p:blipFill>
+          <a:blip r:embed="rId2"/>
+          <a:stretch>
+            <a:fillRect/>
+          </a:stretch>
+        </p:blipFill>
+        <p:spPr>
+          <a:xfrm>
+            <a:off x="1548448" y="2425959"/>
+            <a:ext cx="9095103" cy="3692640"/>
+          </a:xfrm>
+          <a:prstGeom prst="rect">
+            <a:avLst/>
+          </a:prstGeom>
+        </p:spPr>
+      </p:pic>
+      <p:sp>
+        <p:nvSpPr>
+          <p:cNvPr id="4" name="TextBox 3">
+            <a:extLst>
+              <a:ext uri="{FF2B5EF4-FFF2-40B4-BE49-F238E27FC236}">
+                <a16:creationId xmlns:a16="http://schemas.microsoft.com/office/drawing/2014/main" id="{63AC03E8-ADC7-7037-E78F-E7F279839E63}"/>
               </a:ext>
             </a:extLst>
           </p:cNvPr>
@@ -15672,8 +16048,83 @@
         </p:nvSpPr>
         <p:spPr>
           <a:xfrm>
-            <a:off x="3840480" y="283464"/>
-            <a:ext cx="3851525" cy="769441"/>
+            <a:off x="1548448" y="1110343"/>
+            <a:ext cx="4805546" cy="646331"/>
+          </a:xfrm>
+          <a:prstGeom prst="rect">
+            <a:avLst/>
+          </a:prstGeom>
+          <a:noFill/>
+        </p:spPr>
+        <p:txBody>
+          <a:bodyPr wrap="none" rtlCol="0">
+            <a:spAutoFit/>
+          </a:bodyPr>
+          <a:lstStyle/>
+          <a:p>
+            <a:pPr marL="285750" indent="-285750">
+              <a:buFont typeface="Arial" panose="020B0604020202020204" pitchFamily="34" charset="0"/>
+              <a:buChar char="•"/>
+            </a:pPr>
+            <a:r>
+              <a:rPr lang="en-US" dirty="0">
+                <a:hlinkClick r:id="rId3"/>
+              </a:rPr>
+              <a:t>https://github.com/rajgabani/DAB-103-006-001</a:t>
+            </a:r>
+            <a:endParaRPr lang="en-US" dirty="0"/>
+          </a:p>
+          <a:p>
+            <a:endParaRPr lang="en-US" dirty="0"/>
+          </a:p>
+        </p:txBody>
+      </p:sp>
+    </p:spTree>
+    <p:extLst>
+      <p:ext uri="{BB962C8B-B14F-4D97-AF65-F5344CB8AC3E}">
+        <p14:creationId xmlns:p14="http://schemas.microsoft.com/office/powerpoint/2010/main" val="1845188729"/>
+      </p:ext>
+    </p:extLst>
+  </p:cSld>
+  <p:clrMapOvr>
+    <a:masterClrMapping/>
+  </p:clrMapOvr>
+</p:sld>
+</file>
+
+<file path=ppt/slides/slide37.xml><?xml version="1.0" encoding="utf-8"?>
+<p:sld xmlns:a="http://schemas.openxmlformats.org/drawingml/2006/main" xmlns:r="http://schemas.openxmlformats.org/officeDocument/2006/relationships" xmlns:p="http://schemas.openxmlformats.org/presentationml/2006/main">
+  <p:cSld>
+    <p:spTree>
+      <p:nvGrpSpPr>
+        <p:cNvPr id="1" name=""/>
+        <p:cNvGrpSpPr/>
+        <p:nvPr/>
+      </p:nvGrpSpPr>
+      <p:grpSpPr>
+        <a:xfrm>
+          <a:off x="0" y="0"/>
+          <a:ext cx="0" cy="0"/>
+          <a:chOff x="0" y="0"/>
+          <a:chExt cx="0" cy="0"/>
+        </a:xfrm>
+      </p:grpSpPr>
+      <p:sp>
+        <p:nvSpPr>
+          <p:cNvPr id="2" name="TextBox 1">
+            <a:extLst>
+              <a:ext uri="{FF2B5EF4-FFF2-40B4-BE49-F238E27FC236}">
+                <a16:creationId xmlns:a16="http://schemas.microsoft.com/office/drawing/2014/main" id="{4636A726-9C3B-58D1-E6D1-F992130C7644}"/>
+              </a:ext>
+            </a:extLst>
+          </p:cNvPr>
+          <p:cNvSpPr txBox="1"/>
+          <p:nvPr/>
+        </p:nvSpPr>
+        <p:spPr>
+          <a:xfrm>
+            <a:off x="4801843" y="0"/>
+            <a:ext cx="2588312" cy="769441"/>
           </a:xfrm>
           <a:prstGeom prst="rect">
             <a:avLst/>
@@ -15691,7 +16142,7 @@
                 <a:latin typeface="Times New Roman" panose="02020603050405020304" pitchFamily="18" charset="0"/>
                 <a:cs typeface="Times New Roman" panose="02020603050405020304" pitchFamily="18" charset="0"/>
               </a:rPr>
-              <a:t>Dataset Link</a:t>
+              <a:t>Reference</a:t>
             </a:r>
           </a:p>
         </p:txBody>
@@ -15711,7 +16162,7 @@
         <p:spPr>
           <a:xfrm>
             <a:off x="964163" y="1453150"/>
-            <a:ext cx="10263673" cy="1200329"/>
+            <a:ext cx="10263673" cy="2031325"/>
           </a:xfrm>
           <a:prstGeom prst="rect">
             <a:avLst/>
@@ -15754,6 +16205,26 @@
               </a:rPr>
               <a:t>https://data.world/datagov-uk/6efe5505-941f-45bf-b576-4c1e09b579a1</a:t>
             </a:r>
+            <a:endParaRPr lang="en-US" dirty="0"/>
+          </a:p>
+          <a:p>
+            <a:pPr marL="285750" indent="-285750">
+              <a:buFont typeface="Arial" panose="020B0604020202020204" pitchFamily="34" charset="0"/>
+              <a:buChar char="•"/>
+            </a:pPr>
+            <a:endParaRPr lang="en-US" dirty="0"/>
+          </a:p>
+          <a:p>
+            <a:pPr marL="285750" indent="-285750">
+              <a:buFont typeface="Arial" panose="020B0604020202020204" pitchFamily="34" charset="0"/>
+              <a:buChar char="•"/>
+            </a:pPr>
+            <a:r>
+              <a:rPr lang="en-US" dirty="0"/>
+              <a:t>Class notes</a:t>
+            </a:r>
+          </a:p>
+          <a:p>
             <a:endParaRPr lang="en-US" dirty="0"/>
           </a:p>
           <a:p>

--- a/Project.pptx
+++ b/Project.pptx
@@ -3808,44 +3808,6 @@
                 <a:cs typeface="Times New Roman" panose="02020603050405020304" pitchFamily="18" charset="0"/>
               </a:rPr>
               <a:t>Section: 001</a:t>
-            </a:r>
-          </a:p>
-        </p:txBody>
-      </p:sp>
-      <p:sp>
-        <p:nvSpPr>
-          <p:cNvPr id="5" name="TextBox 4">
-            <a:extLst>
-              <a:ext uri="{FF2B5EF4-FFF2-40B4-BE49-F238E27FC236}">
-                <a16:creationId xmlns:a16="http://schemas.microsoft.com/office/drawing/2014/main" id="{7E9DAB4F-E804-2647-522B-3ABD7404DCE1}"/>
-              </a:ext>
-            </a:extLst>
-          </p:cNvPr>
-          <p:cNvSpPr txBox="1"/>
-          <p:nvPr/>
-        </p:nvSpPr>
-        <p:spPr>
-          <a:xfrm>
-            <a:off x="6096000" y="4271777"/>
-            <a:ext cx="4609147" cy="646331"/>
-          </a:xfrm>
-          <a:prstGeom prst="rect">
-            <a:avLst/>
-          </a:prstGeom>
-          <a:noFill/>
-        </p:spPr>
-        <p:txBody>
-          <a:bodyPr wrap="none" rtlCol="0">
-            <a:spAutoFit/>
-          </a:bodyPr>
-          <a:lstStyle/>
-          <a:p>
-            <a:r>
-              <a:rPr lang="en-US" sz="3600" dirty="0">
-                <a:latin typeface="Times New Roman" panose="02020603050405020304" pitchFamily="18" charset="0"/>
-                <a:cs typeface="Times New Roman" panose="02020603050405020304" pitchFamily="18" charset="0"/>
-              </a:rPr>
-              <a:t>Submit to: Ali El-Sharif</a:t>
             </a:r>
           </a:p>
         </p:txBody>
